--- a/Презентация по учебной практике.pptx
+++ b/Презентация по учебной практике.pptx
@@ -122,7 +122,7 @@
   </p:defaultTextStyle>
   <p:extLst>
     <p:ext uri="{EFAFB233-063F-42B5-8137-9DF3F51BA10A}">
-      <p15:sldGuideLst xmlns:p15="http://schemas.microsoft.com/office/powerpoint/2012/main" xmlns="">
+      <p15:sldGuideLst xmlns:p15="http://schemas.microsoft.com/office/powerpoint/2012/main">
         <p15:guide id="1" orient="horz" pos="2160">
           <p15:clr>
             <a:srgbClr val="A4A3A4"/>
@@ -300,7 +300,7 @@
           <a:p>
             <a:fld id="{A97F0FA2-7EBE-44DE-8B42-0A69B6F070A6}" type="datetimeFigureOut">
               <a:rPr lang="ru-RU" smtClean="0"/>
-              <a:t>04.12.2023</a:t>
+              <a:t>05.12.2023</a:t>
             </a:fld>
             <a:endParaRPr lang="ru-RU"/>
           </a:p>
@@ -633,7 +633,7 @@
           <a:p>
             <a:fld id="{A97F0FA2-7EBE-44DE-8B42-0A69B6F070A6}" type="datetimeFigureOut">
               <a:rPr lang="ru-RU" smtClean="0"/>
-              <a:t>04.12.2023</a:t>
+              <a:t>05.12.2023</a:t>
             </a:fld>
             <a:endParaRPr lang="ru-RU"/>
           </a:p>
@@ -816,7 +816,7 @@
           <a:p>
             <a:fld id="{A97F0FA2-7EBE-44DE-8B42-0A69B6F070A6}" type="datetimeFigureOut">
               <a:rPr lang="ru-RU" smtClean="0"/>
-              <a:t>04.12.2023</a:t>
+              <a:t>05.12.2023</a:t>
             </a:fld>
             <a:endParaRPr lang="ru-RU"/>
           </a:p>
@@ -989,7 +989,7 @@
           <a:p>
             <a:fld id="{A97F0FA2-7EBE-44DE-8B42-0A69B6F070A6}" type="datetimeFigureOut">
               <a:rPr lang="ru-RU" smtClean="0"/>
-              <a:t>04.12.2023</a:t>
+              <a:t>05.12.2023</a:t>
             </a:fld>
             <a:endParaRPr lang="ru-RU"/>
           </a:p>
@@ -1264,7 +1264,7 @@
           <a:p>
             <a:fld id="{A97F0FA2-7EBE-44DE-8B42-0A69B6F070A6}" type="datetimeFigureOut">
               <a:rPr lang="ru-RU" smtClean="0"/>
-              <a:t>04.12.2023</a:t>
+              <a:t>05.12.2023</a:t>
             </a:fld>
             <a:endParaRPr lang="ru-RU"/>
           </a:p>
@@ -1661,7 +1661,7 @@
           <a:p>
             <a:fld id="{A97F0FA2-7EBE-44DE-8B42-0A69B6F070A6}" type="datetimeFigureOut">
               <a:rPr lang="ru-RU" smtClean="0"/>
-              <a:t>04.12.2023</a:t>
+              <a:t>05.12.2023</a:t>
             </a:fld>
             <a:endParaRPr lang="ru-RU"/>
           </a:p>
@@ -2141,7 +2141,7 @@
           <a:p>
             <a:fld id="{A97F0FA2-7EBE-44DE-8B42-0A69B6F070A6}" type="datetimeFigureOut">
               <a:rPr lang="ru-RU" smtClean="0"/>
-              <a:t>04.12.2023</a:t>
+              <a:t>05.12.2023</a:t>
             </a:fld>
             <a:endParaRPr lang="ru-RU"/>
           </a:p>
@@ -2262,7 +2262,7 @@
           <a:p>
             <a:fld id="{A97F0FA2-7EBE-44DE-8B42-0A69B6F070A6}" type="datetimeFigureOut">
               <a:rPr lang="ru-RU" smtClean="0"/>
-              <a:t>04.12.2023</a:t>
+              <a:t>05.12.2023</a:t>
             </a:fld>
             <a:endParaRPr lang="ru-RU"/>
           </a:p>
@@ -2360,7 +2360,7 @@
           <a:p>
             <a:fld id="{A97F0FA2-7EBE-44DE-8B42-0A69B6F070A6}" type="datetimeFigureOut">
               <a:rPr lang="ru-RU" smtClean="0"/>
-              <a:t>04.12.2023</a:t>
+              <a:t>05.12.2023</a:t>
             </a:fld>
             <a:endParaRPr lang="ru-RU"/>
           </a:p>
@@ -2709,7 +2709,7 @@
           <a:p>
             <a:fld id="{A97F0FA2-7EBE-44DE-8B42-0A69B6F070A6}" type="datetimeFigureOut">
               <a:rPr lang="ru-RU" smtClean="0"/>
-              <a:t>04.12.2023</a:t>
+              <a:t>05.12.2023</a:t>
             </a:fld>
             <a:endParaRPr lang="ru-RU"/>
           </a:p>
@@ -3100,7 +3100,7 @@
           <a:p>
             <a:fld id="{A97F0FA2-7EBE-44DE-8B42-0A69B6F070A6}" type="datetimeFigureOut">
               <a:rPr lang="ru-RU" smtClean="0"/>
-              <a:t>04.12.2023</a:t>
+              <a:t>05.12.2023</a:t>
             </a:fld>
             <a:endParaRPr lang="ru-RU"/>
           </a:p>
@@ -3378,7 +3378,7 @@
           <a:p>
             <a:fld id="{A97F0FA2-7EBE-44DE-8B42-0A69B6F070A6}" type="datetimeFigureOut">
               <a:rPr lang="ru-RU" smtClean="0"/>
-              <a:t>04.12.2023</a:t>
+              <a:t>05.12.2023</a:t>
             </a:fld>
             <a:endParaRPr lang="ru-RU"/>
           </a:p>
@@ -3829,7 +3829,7 @@
   </p:txStyles>
   <p:extLst>
     <p:ext uri="{27BBF7A9-308A-43DC-89C8-2F10F3537804}">
-      <p15:sldGuideLst xmlns:p15="http://schemas.microsoft.com/office/powerpoint/2012/main" xmlns="">
+      <p15:sldGuideLst xmlns:p15="http://schemas.microsoft.com/office/powerpoint/2012/main">
         <p15:guide id="3" orient="horz" pos="1368">
           <p15:clr>
             <a:srgbClr val="F26B43"/>
@@ -3898,7 +3898,7 @@
           <p:cNvPr id="5" name="TextBox 4">
             <a:extLst>
               <a:ext uri="{FF2B5EF4-FFF2-40B4-BE49-F238E27FC236}">
-                <a16:creationId xmlns:a16="http://schemas.microsoft.com/office/drawing/2014/main" xmlns="" id="{83D0DC80-42FC-4DCE-A018-EFA515ACE129}"/>
+                <a16:creationId xmlns:a16="http://schemas.microsoft.com/office/drawing/2014/main" id="{83D0DC80-42FC-4DCE-A018-EFA515ACE129}"/>
               </a:ext>
             </a:extLst>
           </p:cNvPr>
@@ -3937,7 +3937,7 @@
           <p:cNvPr id="6" name="TextBox 5">
             <a:extLst>
               <a:ext uri="{FF2B5EF4-FFF2-40B4-BE49-F238E27FC236}">
-                <a16:creationId xmlns:a16="http://schemas.microsoft.com/office/drawing/2014/main" xmlns="" id="{B6CBCA83-7B37-4755-BC10-364C30559C1A}"/>
+                <a16:creationId xmlns:a16="http://schemas.microsoft.com/office/drawing/2014/main" id="{B6CBCA83-7B37-4755-BC10-364C30559C1A}"/>
               </a:ext>
             </a:extLst>
           </p:cNvPr>
@@ -3976,35 +3976,7 @@
                 <a:latin typeface="Arial" panose="020B0604020202020204" pitchFamily="34" charset="0"/>
                 <a:cs typeface="Arial" panose="020B0604020202020204" pitchFamily="34" charset="0"/>
               </a:rPr>
-              <a:t>п</a:t>
-            </a:r>
-            <a:r>
-              <a:rPr lang="ru-RU" dirty="0" smtClean="0">
-                <a:latin typeface="Arial" panose="020B0604020202020204" pitchFamily="34" charset="0"/>
-                <a:cs typeface="Arial" panose="020B0604020202020204" pitchFamily="34" charset="0"/>
-              </a:rPr>
-              <a:t>о практической подготовке в виде </a:t>
-            </a:r>
-            <a:r>
-              <a:rPr lang="ru-RU" dirty="0">
-                <a:latin typeface="Arial" panose="020B0604020202020204" pitchFamily="34" charset="0"/>
-                <a:cs typeface="Arial" panose="020B0604020202020204" pitchFamily="34" charset="0"/>
-              </a:rPr>
-              <a:t>учебной практике профессионального модуля (</a:t>
-            </a:r>
-            <a:r>
-              <a:rPr lang="ru-RU" dirty="0" smtClean="0">
-                <a:latin typeface="Arial" panose="020B0604020202020204" pitchFamily="34" charset="0"/>
-                <a:cs typeface="Arial" panose="020B0604020202020204" pitchFamily="34" charset="0"/>
-              </a:rPr>
-              <a:t>ПМ.01</a:t>
-            </a:r>
-            <a:r>
-              <a:rPr lang="ru-RU" dirty="0">
-                <a:latin typeface="Arial" panose="020B0604020202020204" pitchFamily="34" charset="0"/>
-                <a:cs typeface="Arial" panose="020B0604020202020204" pitchFamily="34" charset="0"/>
-              </a:rPr>
-              <a:t>) Разработка модулей программного обеспечения для компьютерных систем</a:t>
+              <a:t>по практической подготовке в виде учебной практике профессионального модуля (ПМ.01) Разработка модулей программного обеспечения для компьютерных систем</a:t>
             </a:r>
           </a:p>
         </p:txBody>
@@ -4014,7 +3986,7 @@
           <p:cNvPr id="7" name="TextBox 6">
             <a:extLst>
               <a:ext uri="{FF2B5EF4-FFF2-40B4-BE49-F238E27FC236}">
-                <a16:creationId xmlns:a16="http://schemas.microsoft.com/office/drawing/2014/main" xmlns="" id="{0D4BA202-1243-40FF-B304-CDFCB77D4EE7}"/>
+                <a16:creationId xmlns:a16="http://schemas.microsoft.com/office/drawing/2014/main" id="{0D4BA202-1243-40FF-B304-CDFCB77D4EE7}"/>
               </a:ext>
             </a:extLst>
           </p:cNvPr>
@@ -4068,25 +4040,18 @@
               <a:t>обучающегося    </a:t>
             </a:r>
             <a:r>
-              <a:rPr lang="en-US" sz="1600" dirty="0" smtClean="0">
+              <a:rPr lang="en-US" sz="1600" dirty="0">
                 <a:latin typeface="Arial" pitchFamily="34" charset="0"/>
                 <a:cs typeface="Arial" pitchFamily="34" charset="0"/>
               </a:rPr>
               <a:t>3</a:t>
             </a:r>
             <a:r>
-              <a:rPr lang="ru-RU" sz="1600" dirty="0" smtClean="0">
-                <a:latin typeface="Arial" pitchFamily="34" charset="0"/>
-                <a:cs typeface="Arial" pitchFamily="34" charset="0"/>
-              </a:rPr>
-              <a:t> </a:t>
-            </a:r>
-            <a:r>
               <a:rPr lang="ru-RU" sz="1600" dirty="0">
                 <a:latin typeface="Arial" pitchFamily="34" charset="0"/>
                 <a:cs typeface="Arial" pitchFamily="34" charset="0"/>
               </a:rPr>
-              <a:t>курса     группы    ИСПП-</a:t>
+              <a:t> курса     группы    ИСПП-</a:t>
             </a:r>
             <a:r>
               <a:rPr lang="en-US" sz="1600" dirty="0">
@@ -4107,7 +4072,7 @@
           <p:cNvPr id="8" name="TextBox 7">
             <a:extLst>
               <a:ext uri="{FF2B5EF4-FFF2-40B4-BE49-F238E27FC236}">
-                <a16:creationId xmlns:a16="http://schemas.microsoft.com/office/drawing/2014/main" xmlns="" id="{7123CF90-653F-4570-BF0C-3E95592B3681}"/>
+                <a16:creationId xmlns:a16="http://schemas.microsoft.com/office/drawing/2014/main" id="{7123CF90-653F-4570-BF0C-3E95592B3681}"/>
               </a:ext>
             </a:extLst>
           </p:cNvPr>
@@ -4143,7 +4108,7 @@
           <p:cNvPr id="10" name="Прямая соединительная линия 9">
             <a:extLst>
               <a:ext uri="{FF2B5EF4-FFF2-40B4-BE49-F238E27FC236}">
-                <a16:creationId xmlns:a16="http://schemas.microsoft.com/office/drawing/2014/main" xmlns="" id="{6AAA9755-85F4-4DE7-AFB8-E3C29C5B849F}"/>
+                <a16:creationId xmlns:a16="http://schemas.microsoft.com/office/drawing/2014/main" id="{6AAA9755-85F4-4DE7-AFB8-E3C29C5B849F}"/>
               </a:ext>
             </a:extLst>
           </p:cNvPr>
@@ -4179,7 +4144,7 @@
           <p:cNvPr id="11" name="TextBox 10">
             <a:extLst>
               <a:ext uri="{FF2B5EF4-FFF2-40B4-BE49-F238E27FC236}">
-                <a16:creationId xmlns:a16="http://schemas.microsoft.com/office/drawing/2014/main" xmlns="" id="{E2BD0C4F-AB8D-4241-96FC-DD23A68FC3AC}"/>
+                <a16:creationId xmlns:a16="http://schemas.microsoft.com/office/drawing/2014/main" id="{E2BD0C4F-AB8D-4241-96FC-DD23A68FC3AC}"/>
               </a:ext>
             </a:extLst>
           </p:cNvPr>
@@ -4215,7 +4180,7 @@
           <p:cNvPr id="12" name="Прямая соединительная линия 11">
             <a:extLst>
               <a:ext uri="{FF2B5EF4-FFF2-40B4-BE49-F238E27FC236}">
-                <a16:creationId xmlns:a16="http://schemas.microsoft.com/office/drawing/2014/main" xmlns="" id="{FD9238EF-09D0-439B-8E1B-4D234826E578}"/>
+                <a16:creationId xmlns:a16="http://schemas.microsoft.com/office/drawing/2014/main" id="{FD9238EF-09D0-439B-8E1B-4D234826E578}"/>
               </a:ext>
             </a:extLst>
           </p:cNvPr>
@@ -4253,7 +4218,7 @@
           <p:cNvPr id="15" name="TextBox 14">
             <a:extLst>
               <a:ext uri="{FF2B5EF4-FFF2-40B4-BE49-F238E27FC236}">
-                <a16:creationId xmlns:a16="http://schemas.microsoft.com/office/drawing/2014/main" xmlns="" id="{7EC1C8AA-3746-45AE-8234-A70BD92A109D}"/>
+                <a16:creationId xmlns:a16="http://schemas.microsoft.com/office/drawing/2014/main" id="{7EC1C8AA-3746-45AE-8234-A70BD92A109D}"/>
               </a:ext>
             </a:extLst>
           </p:cNvPr>
@@ -4262,8 +4227,8 @@
         </p:nvSpPr>
         <p:spPr>
           <a:xfrm>
-            <a:off x="2598057" y="4733924"/>
-            <a:ext cx="2274884" cy="307777"/>
+            <a:off x="2400300" y="4733924"/>
+            <a:ext cx="2472641" cy="338554"/>
           </a:xfrm>
           <a:prstGeom prst="rect">
             <a:avLst/>
@@ -4277,11 +4242,18 @@
           <a:lstStyle/>
           <a:p>
             <a:r>
+              <a:rPr lang="ru-RU" sz="1600" dirty="0">
+                <a:latin typeface="Arial" pitchFamily="34" charset="0"/>
+                <a:cs typeface="Arial" pitchFamily="34" charset="0"/>
+              </a:rPr>
+              <a:t>Руководитель практики</a:t>
+            </a:r>
+            <a:r>
               <a:rPr lang="ru-RU" sz="1400" dirty="0">
                 <a:latin typeface="Arial" pitchFamily="34" charset="0"/>
                 <a:cs typeface="Arial" pitchFamily="34" charset="0"/>
               </a:rPr>
-              <a:t>Руководитель практики:</a:t>
+              <a:t>:</a:t>
             </a:r>
           </a:p>
         </p:txBody>
@@ -4291,7 +4263,7 @@
           <p:cNvPr id="17" name="TextBox 16">
             <a:extLst>
               <a:ext uri="{FF2B5EF4-FFF2-40B4-BE49-F238E27FC236}">
-                <a16:creationId xmlns:a16="http://schemas.microsoft.com/office/drawing/2014/main" xmlns="" id="{9DB974FD-3E1F-4BA0-9041-6CAE15A4B62C}"/>
+                <a16:creationId xmlns:a16="http://schemas.microsoft.com/office/drawing/2014/main" id="{9DB974FD-3E1F-4BA0-9041-6CAE15A4B62C}"/>
               </a:ext>
             </a:extLst>
           </p:cNvPr>
@@ -4343,13 +4315,6 @@
       </p:transition>
     </mc:Fallback>
   </mc:AlternateContent>
-  <p:timing>
-    <p:tnLst>
-      <p:par>
-        <p:cTn id="1" dur="indefinite" restart="never" nodeType="tmRoot"/>
-      </p:par>
-    </p:tnLst>
-  </p:timing>
 </p:sld>
 </file>
 
@@ -4439,19 +4404,8 @@
                 <a:latin typeface="Arial" panose="020B0604020202020204" pitchFamily="34" charset="0"/>
                 <a:cs typeface="Arial" panose="020B0604020202020204" pitchFamily="34" charset="0"/>
               </a:rPr>
-              <a:t>Таблица «</a:t>
-            </a:r>
-            <a:r>
-              <a:rPr lang="ru-RU" dirty="0" smtClean="0">
-                <a:latin typeface="Arial" panose="020B0604020202020204" pitchFamily="34" charset="0"/>
-                <a:cs typeface="Arial" panose="020B0604020202020204" pitchFamily="34" charset="0"/>
-              </a:rPr>
-              <a:t>Пользователи»</a:t>
-            </a:r>
-            <a:endParaRPr lang="ru-RU" dirty="0">
-              <a:latin typeface="Arial" panose="020B0604020202020204" pitchFamily="34" charset="0"/>
-              <a:cs typeface="Arial" panose="020B0604020202020204" pitchFamily="34" charset="0"/>
-            </a:endParaRPr>
+              <a:t>Таблица «Пользователи»</a:t>
+            </a:r>
           </a:p>
         </p:txBody>
       </p:sp>
@@ -4588,13 +4542,6 @@
   <p:transition spd="slow">
     <p:push dir="u"/>
   </p:transition>
-  <p:timing>
-    <p:tnLst>
-      <p:par>
-        <p:cTn id="1" dur="indefinite" restart="never" nodeType="tmRoot"/>
-      </p:par>
-    </p:tnLst>
-  </p:timing>
 </p:sld>
 </file>
 
@@ -4620,7 +4567,7 @@
           <p:cNvPr id="3" name="Прямоугольник 2">
             <a:extLst>
               <a:ext uri="{FF2B5EF4-FFF2-40B4-BE49-F238E27FC236}">
-                <a16:creationId xmlns:a16="http://schemas.microsoft.com/office/drawing/2014/main" xmlns="" id="{81555B2D-914D-45E3-A7B3-7188563A4C1C}"/>
+                <a16:creationId xmlns:a16="http://schemas.microsoft.com/office/drawing/2014/main" id="{81555B2D-914D-45E3-A7B3-7188563A4C1C}"/>
               </a:ext>
             </a:extLst>
           </p:cNvPr>
@@ -4726,19 +4673,8 @@
                 <a:latin typeface="Arial" panose="020B0604020202020204" pitchFamily="34" charset="0"/>
                 <a:cs typeface="Arial" panose="020B0604020202020204" pitchFamily="34" charset="0"/>
               </a:rPr>
-              <a:t>Форма </a:t>
-            </a:r>
-            <a:r>
-              <a:rPr lang="ru-RU" sz="2000" dirty="0" smtClean="0">
-                <a:latin typeface="Arial" panose="020B0604020202020204" pitchFamily="34" charset="0"/>
-                <a:cs typeface="Arial" panose="020B0604020202020204" pitchFamily="34" charset="0"/>
-              </a:rPr>
-              <a:t>регистрации</a:t>
-            </a:r>
-            <a:endParaRPr lang="ru-RU" sz="2000" dirty="0">
-              <a:latin typeface="Arial" panose="020B0604020202020204" pitchFamily="34" charset="0"/>
-              <a:cs typeface="Arial" panose="020B0604020202020204" pitchFamily="34" charset="0"/>
-            </a:endParaRPr>
+              <a:t>Форма регистрации</a:t>
+            </a:r>
           </a:p>
         </p:txBody>
       </p:sp>
@@ -4818,13 +4754,6 @@
   <p:transition spd="slow">
     <p:push dir="u"/>
   </p:transition>
-  <p:timing>
-    <p:tnLst>
-      <p:par>
-        <p:cTn id="1" dur="indefinite" restart="never" nodeType="tmRoot"/>
-      </p:par>
-    </p:tnLst>
-  </p:timing>
 </p:sld>
 </file>
 
@@ -4873,30 +4802,12 @@
               </a:lnSpc>
             </a:pPr>
             <a:r>
-              <a:rPr lang="ru-RU" sz="2000" dirty="0" smtClean="0">
-                <a:latin typeface="Arial" panose="020B0604020202020204" pitchFamily="34" charset="0"/>
-                <a:cs typeface="Arial" panose="020B0604020202020204" pitchFamily="34" charset="0"/>
-              </a:rPr>
-              <a:t>Форма </a:t>
-            </a:r>
-            <a:r>
               <a:rPr lang="ru-RU" sz="2000" dirty="0">
                 <a:latin typeface="Arial" panose="020B0604020202020204" pitchFamily="34" charset="0"/>
                 <a:cs typeface="Arial" panose="020B0604020202020204" pitchFamily="34" charset="0"/>
               </a:rPr>
-              <a:t>а</a:t>
-            </a:r>
-            <a:r>
-              <a:rPr lang="ru-RU" sz="2000" dirty="0" smtClean="0">
-                <a:latin typeface="Arial" panose="020B0604020202020204" pitchFamily="34" charset="0"/>
-                <a:cs typeface="Arial" panose="020B0604020202020204" pitchFamily="34" charset="0"/>
-              </a:rPr>
-              <a:t>дминистратора</a:t>
-            </a:r>
-            <a:endParaRPr lang="ru-RU" sz="2000" dirty="0">
-              <a:latin typeface="Arial" panose="020B0604020202020204" pitchFamily="34" charset="0"/>
-              <a:cs typeface="Arial" panose="020B0604020202020204" pitchFamily="34" charset="0"/>
-            </a:endParaRPr>
+              <a:t>Форма администратора</a:t>
+            </a:r>
           </a:p>
         </p:txBody>
       </p:sp>
@@ -4945,13 +4856,6 @@
   <p:transition spd="slow">
     <p:push dir="u"/>
   </p:transition>
-  <p:timing>
-    <p:tnLst>
-      <p:par>
-        <p:cTn id="1" dur="indefinite" restart="never" nodeType="tmRoot"/>
-      </p:par>
-    </p:tnLst>
-  </p:timing>
 </p:sld>
 </file>
 
@@ -5004,19 +4908,8 @@
                 <a:latin typeface="Arial" panose="020B0604020202020204" pitchFamily="34" charset="0"/>
                 <a:cs typeface="Arial" panose="020B0604020202020204" pitchFamily="34" charset="0"/>
               </a:rPr>
-              <a:t>Форма </a:t>
-            </a:r>
-            <a:r>
-              <a:rPr lang="ru-RU" sz="2000" dirty="0" smtClean="0">
-                <a:latin typeface="Arial" panose="020B0604020202020204" pitchFamily="34" charset="0"/>
-                <a:cs typeface="Arial" panose="020B0604020202020204" pitchFamily="34" charset="0"/>
-              </a:rPr>
-              <a:t>продавца</a:t>
-            </a:r>
-            <a:endParaRPr lang="ru-RU" sz="2000" dirty="0">
-              <a:latin typeface="Arial" panose="020B0604020202020204" pitchFamily="34" charset="0"/>
-              <a:cs typeface="Arial" panose="020B0604020202020204" pitchFamily="34" charset="0"/>
-            </a:endParaRPr>
+              <a:t>Форма продавца</a:t>
+            </a:r>
           </a:p>
         </p:txBody>
       </p:sp>
@@ -5065,13 +4958,6 @@
   <p:transition spd="slow">
     <p:push dir="u"/>
   </p:transition>
-  <p:timing>
-    <p:tnLst>
-      <p:par>
-        <p:cTn id="1" dur="indefinite" restart="never" nodeType="tmRoot"/>
-      </p:par>
-    </p:tnLst>
-  </p:timing>
 </p:sld>
 </file>
 
@@ -5124,19 +5010,8 @@
                 <a:latin typeface="Arial" panose="020B0604020202020204" pitchFamily="34" charset="0"/>
                 <a:cs typeface="Arial" panose="020B0604020202020204" pitchFamily="34" charset="0"/>
               </a:rPr>
-              <a:t>Форма </a:t>
-            </a:r>
-            <a:r>
-              <a:rPr lang="ru-RU" sz="2000" dirty="0" smtClean="0">
-                <a:latin typeface="Arial" panose="020B0604020202020204" pitchFamily="34" charset="0"/>
-                <a:cs typeface="Arial" panose="020B0604020202020204" pitchFamily="34" charset="0"/>
-              </a:rPr>
-              <a:t>покупателя</a:t>
-            </a:r>
-            <a:endParaRPr lang="ru-RU" sz="2000" dirty="0">
-              <a:latin typeface="Arial" panose="020B0604020202020204" pitchFamily="34" charset="0"/>
-              <a:cs typeface="Arial" panose="020B0604020202020204" pitchFamily="34" charset="0"/>
-            </a:endParaRPr>
+              <a:t>Форма покупателя</a:t>
+            </a:r>
           </a:p>
         </p:txBody>
       </p:sp>
@@ -5185,13 +5060,6 @@
   <p:transition spd="slow">
     <p:push dir="u"/>
   </p:transition>
-  <p:timing>
-    <p:tnLst>
-      <p:par>
-        <p:cTn id="1" dur="indefinite" restart="never" nodeType="tmRoot"/>
-      </p:par>
-    </p:tnLst>
-  </p:timing>
 </p:sld>
 </file>
 
@@ -5244,19 +5112,8 @@
                 <a:latin typeface="Arial" panose="020B0604020202020204" pitchFamily="34" charset="0"/>
                 <a:cs typeface="Arial" panose="020B0604020202020204" pitchFamily="34" charset="0"/>
               </a:rPr>
-              <a:t>Форма </a:t>
-            </a:r>
-            <a:r>
-              <a:rPr lang="ru-RU" sz="2000" dirty="0" smtClean="0">
-                <a:latin typeface="Arial" panose="020B0604020202020204" pitchFamily="34" charset="0"/>
-                <a:cs typeface="Arial" panose="020B0604020202020204" pitchFamily="34" charset="0"/>
-              </a:rPr>
-              <a:t>гостя</a:t>
-            </a:r>
-            <a:endParaRPr lang="ru-RU" sz="2000" dirty="0">
-              <a:latin typeface="Arial" panose="020B0604020202020204" pitchFamily="34" charset="0"/>
-              <a:cs typeface="Arial" panose="020B0604020202020204" pitchFamily="34" charset="0"/>
-            </a:endParaRPr>
+              <a:t>Форма гостя</a:t>
+            </a:r>
           </a:p>
         </p:txBody>
       </p:sp>
@@ -5305,13 +5162,6 @@
   <p:transition spd="slow">
     <p:push dir="u"/>
   </p:transition>
-  <p:timing>
-    <p:tnLst>
-      <p:par>
-        <p:cTn id="1" dur="indefinite" restart="never" nodeType="tmRoot"/>
-      </p:par>
-    </p:tnLst>
-  </p:timing>
 </p:sld>
 </file>
 
@@ -5337,7 +5187,7 @@
           <p:cNvPr id="3" name="Прямоугольник 2">
             <a:extLst>
               <a:ext uri="{FF2B5EF4-FFF2-40B4-BE49-F238E27FC236}">
-                <a16:creationId xmlns:a16="http://schemas.microsoft.com/office/drawing/2014/main" xmlns="" id="{81555B2D-914D-45E3-A7B3-7188563A4C1C}"/>
+                <a16:creationId xmlns:a16="http://schemas.microsoft.com/office/drawing/2014/main" id="{81555B2D-914D-45E3-A7B3-7188563A4C1C}"/>
               </a:ext>
             </a:extLst>
           </p:cNvPr>
@@ -5406,42 +5256,14 @@
                 <a:latin typeface="Arial" pitchFamily="34" charset="0"/>
                 <a:cs typeface="Arial" pitchFamily="34" charset="0"/>
               </a:rPr>
-              <a:t>В результате учебной практики был проведен анализ предметной области, спроектирована и разработана информационная система </a:t>
-            </a:r>
-            <a:r>
-              <a:rPr lang="ru-RU" dirty="0" smtClean="0">
-                <a:latin typeface="Arial" pitchFamily="34" charset="0"/>
-                <a:cs typeface="Arial" pitchFamily="34" charset="0"/>
-              </a:rPr>
-              <a:t>«Учёт продаж </a:t>
-            </a:r>
-            <a:r>
-              <a:rPr lang="ru-RU" dirty="0" smtClean="0">
-                <a:latin typeface="Arial" pitchFamily="34" charset="0"/>
-                <a:cs typeface="Arial" pitchFamily="34" charset="0"/>
-              </a:rPr>
-              <a:t>сортов растений», </a:t>
-            </a:r>
-            <a:r>
-              <a:rPr lang="ru-RU" dirty="0">
-                <a:latin typeface="Arial" pitchFamily="34" charset="0"/>
-                <a:cs typeface="Arial" pitchFamily="34" charset="0"/>
-              </a:rPr>
-              <a:t>серверная часть которой была реализована в MS SQL, а клиентская часть в </a:t>
+              <a:t>В результате учебной практики был проведен анализ предметной области, спроектирована и разработана информационная система «Учёт продаж сортов растений», серверная часть которой была реализована в MS SQL, а клиентская часть в </a:t>
             </a:r>
             <a:r>
               <a:rPr lang="en-US" dirty="0">
                 <a:latin typeface="Arial" pitchFamily="34" charset="0"/>
                 <a:cs typeface="Arial" pitchFamily="34" charset="0"/>
               </a:rPr>
-              <a:t>MS </a:t>
-            </a:r>
-            <a:r>
-              <a:rPr lang="en-US" dirty="0" smtClean="0">
-                <a:latin typeface="Arial" pitchFamily="34" charset="0"/>
-                <a:cs typeface="Arial" pitchFamily="34" charset="0"/>
-              </a:rPr>
-              <a:t>Visual Studios </a:t>
+              <a:t>MS Visual Studios </a:t>
             </a:r>
             <a:endParaRPr lang="ru-RU" dirty="0">
               <a:latin typeface="Arial" pitchFamily="34" charset="0"/>
@@ -5455,18 +5277,11 @@
               </a:lnSpc>
             </a:pPr>
             <a:r>
-              <a:rPr lang="ru-RU" dirty="0" smtClean="0">
-                <a:latin typeface="Arial" pitchFamily="34" charset="0"/>
-                <a:cs typeface="Arial" pitchFamily="34" charset="0"/>
-              </a:rPr>
-              <a:t>Цель </a:t>
-            </a:r>
-            <a:r>
               <a:rPr lang="ru-RU" dirty="0">
                 <a:latin typeface="Arial" pitchFamily="34" charset="0"/>
                 <a:cs typeface="Arial" pitchFamily="34" charset="0"/>
               </a:rPr>
-              <a:t>учебной практики были достигнуты путем проектирования и прототипирования информационной системы и интеграции программных модулей.</a:t>
+              <a:t>Цель учебной практики были достигнуты путем проектирования и прототипирования информационной системы и интеграции программных модулей.</a:t>
             </a:r>
           </a:p>
           <a:p>
@@ -5480,14 +5295,7 @@
                 <a:latin typeface="Arial" pitchFamily="34" charset="0"/>
                 <a:cs typeface="Arial" pitchFamily="34" charset="0"/>
               </a:rPr>
-              <a:t>Это позволяет сделать вывод, что поставленные цели и задачи выполнены в полном объеме</a:t>
-            </a:r>
-            <a:r>
-              <a:rPr lang="ru-RU" dirty="0" smtClean="0">
-                <a:latin typeface="Arial" pitchFamily="34" charset="0"/>
-                <a:cs typeface="Arial" pitchFamily="34" charset="0"/>
-              </a:rPr>
-              <a:t>.</a:t>
+              <a:t>Это позволяет сделать вывод, что поставленные цели и задачи выполнены в полном объеме.</a:t>
             </a:r>
           </a:p>
         </p:txBody>
@@ -5505,13 +5313,6 @@
   <p:transition spd="slow">
     <p:push dir="u"/>
   </p:transition>
-  <p:timing>
-    <p:tnLst>
-      <p:par>
-        <p:cTn id="1" dur="indefinite" restart="never" nodeType="tmRoot"/>
-      </p:par>
-    </p:tnLst>
-  </p:timing>
 </p:sld>
 </file>
 
@@ -5537,7 +5338,7 @@
           <p:cNvPr id="5" name="TextBox 4">
             <a:extLst>
               <a:ext uri="{FF2B5EF4-FFF2-40B4-BE49-F238E27FC236}">
-                <a16:creationId xmlns:a16="http://schemas.microsoft.com/office/drawing/2014/main" xmlns="" id="{83D0DC80-42FC-4DCE-A018-EFA515ACE129}"/>
+                <a16:creationId xmlns:a16="http://schemas.microsoft.com/office/drawing/2014/main" id="{83D0DC80-42FC-4DCE-A018-EFA515ACE129}"/>
               </a:ext>
             </a:extLst>
           </p:cNvPr>
@@ -5576,7 +5377,7 @@
           <p:cNvPr id="6" name="TextBox 5">
             <a:extLst>
               <a:ext uri="{FF2B5EF4-FFF2-40B4-BE49-F238E27FC236}">
-                <a16:creationId xmlns:a16="http://schemas.microsoft.com/office/drawing/2014/main" xmlns="" id="{B6CBCA83-7B37-4755-BC10-364C30559C1A}"/>
+                <a16:creationId xmlns:a16="http://schemas.microsoft.com/office/drawing/2014/main" id="{B6CBCA83-7B37-4755-BC10-364C30559C1A}"/>
               </a:ext>
             </a:extLst>
           </p:cNvPr>
@@ -5615,35 +5416,7 @@
                 <a:latin typeface="Arial" panose="020B0604020202020204" pitchFamily="34" charset="0"/>
                 <a:cs typeface="Arial" panose="020B0604020202020204" pitchFamily="34" charset="0"/>
               </a:rPr>
-              <a:t>п</a:t>
-            </a:r>
-            <a:r>
-              <a:rPr lang="ru-RU" dirty="0" smtClean="0">
-                <a:latin typeface="Arial" panose="020B0604020202020204" pitchFamily="34" charset="0"/>
-                <a:cs typeface="Arial" panose="020B0604020202020204" pitchFamily="34" charset="0"/>
-              </a:rPr>
-              <a:t>о практической подготовке в виде </a:t>
-            </a:r>
-            <a:r>
-              <a:rPr lang="ru-RU" dirty="0">
-                <a:latin typeface="Arial" panose="020B0604020202020204" pitchFamily="34" charset="0"/>
-                <a:cs typeface="Arial" panose="020B0604020202020204" pitchFamily="34" charset="0"/>
-              </a:rPr>
-              <a:t>учебной практике профессионального модуля (</a:t>
-            </a:r>
-            <a:r>
-              <a:rPr lang="ru-RU" dirty="0" smtClean="0">
-                <a:latin typeface="Arial" panose="020B0604020202020204" pitchFamily="34" charset="0"/>
-                <a:cs typeface="Arial" panose="020B0604020202020204" pitchFamily="34" charset="0"/>
-              </a:rPr>
-              <a:t>ПМ.01</a:t>
-            </a:r>
-            <a:r>
-              <a:rPr lang="ru-RU" dirty="0">
-                <a:latin typeface="Arial" panose="020B0604020202020204" pitchFamily="34" charset="0"/>
-                <a:cs typeface="Arial" panose="020B0604020202020204" pitchFamily="34" charset="0"/>
-              </a:rPr>
-              <a:t>) Разработка модулей программного обеспечения для компьютерных систем</a:t>
+              <a:t>по практической подготовке в виде учебной практике профессионального модуля (ПМ.01) Разработка модулей программного обеспечения для компьютерных систем</a:t>
             </a:r>
           </a:p>
         </p:txBody>
@@ -5653,7 +5426,7 @@
           <p:cNvPr id="7" name="TextBox 6">
             <a:extLst>
               <a:ext uri="{FF2B5EF4-FFF2-40B4-BE49-F238E27FC236}">
-                <a16:creationId xmlns:a16="http://schemas.microsoft.com/office/drawing/2014/main" xmlns="" id="{0D4BA202-1243-40FF-B304-CDFCB77D4EE7}"/>
+                <a16:creationId xmlns:a16="http://schemas.microsoft.com/office/drawing/2014/main" id="{0D4BA202-1243-40FF-B304-CDFCB77D4EE7}"/>
               </a:ext>
             </a:extLst>
           </p:cNvPr>
@@ -5707,25 +5480,18 @@
               <a:t>обучающегося    </a:t>
             </a:r>
             <a:r>
-              <a:rPr lang="en-US" sz="1600" dirty="0" smtClean="0">
+              <a:rPr lang="en-US" sz="1600" dirty="0">
                 <a:latin typeface="Arial" pitchFamily="34" charset="0"/>
                 <a:cs typeface="Arial" pitchFamily="34" charset="0"/>
               </a:rPr>
               <a:t>3</a:t>
             </a:r>
             <a:r>
-              <a:rPr lang="ru-RU" sz="1600" dirty="0" smtClean="0">
-                <a:latin typeface="Arial" pitchFamily="34" charset="0"/>
-                <a:cs typeface="Arial" pitchFamily="34" charset="0"/>
-              </a:rPr>
-              <a:t> </a:t>
-            </a:r>
-            <a:r>
               <a:rPr lang="ru-RU" sz="1600" dirty="0">
                 <a:latin typeface="Arial" pitchFamily="34" charset="0"/>
                 <a:cs typeface="Arial" pitchFamily="34" charset="0"/>
               </a:rPr>
-              <a:t>курса     группы    ИСПП-</a:t>
+              <a:t> курса     группы    ИСПП-</a:t>
             </a:r>
             <a:r>
               <a:rPr lang="en-US" sz="1600" dirty="0">
@@ -5746,7 +5512,7 @@
           <p:cNvPr id="8" name="TextBox 7">
             <a:extLst>
               <a:ext uri="{FF2B5EF4-FFF2-40B4-BE49-F238E27FC236}">
-                <a16:creationId xmlns:a16="http://schemas.microsoft.com/office/drawing/2014/main" xmlns="" id="{7123CF90-653F-4570-BF0C-3E95592B3681}"/>
+                <a16:creationId xmlns:a16="http://schemas.microsoft.com/office/drawing/2014/main" id="{7123CF90-653F-4570-BF0C-3E95592B3681}"/>
               </a:ext>
             </a:extLst>
           </p:cNvPr>
@@ -5782,7 +5548,7 @@
           <p:cNvPr id="10" name="Прямая соединительная линия 9">
             <a:extLst>
               <a:ext uri="{FF2B5EF4-FFF2-40B4-BE49-F238E27FC236}">
-                <a16:creationId xmlns:a16="http://schemas.microsoft.com/office/drawing/2014/main" xmlns="" id="{6AAA9755-85F4-4DE7-AFB8-E3C29C5B849F}"/>
+                <a16:creationId xmlns:a16="http://schemas.microsoft.com/office/drawing/2014/main" id="{6AAA9755-85F4-4DE7-AFB8-E3C29C5B849F}"/>
               </a:ext>
             </a:extLst>
           </p:cNvPr>
@@ -5818,7 +5584,7 @@
           <p:cNvPr id="11" name="TextBox 10">
             <a:extLst>
               <a:ext uri="{FF2B5EF4-FFF2-40B4-BE49-F238E27FC236}">
-                <a16:creationId xmlns:a16="http://schemas.microsoft.com/office/drawing/2014/main" xmlns="" id="{E2BD0C4F-AB8D-4241-96FC-DD23A68FC3AC}"/>
+                <a16:creationId xmlns:a16="http://schemas.microsoft.com/office/drawing/2014/main" id="{E2BD0C4F-AB8D-4241-96FC-DD23A68FC3AC}"/>
               </a:ext>
             </a:extLst>
           </p:cNvPr>
@@ -5854,7 +5620,7 @@
           <p:cNvPr id="12" name="Прямая соединительная линия 11">
             <a:extLst>
               <a:ext uri="{FF2B5EF4-FFF2-40B4-BE49-F238E27FC236}">
-                <a16:creationId xmlns:a16="http://schemas.microsoft.com/office/drawing/2014/main" xmlns="" id="{FD9238EF-09D0-439B-8E1B-4D234826E578}"/>
+                <a16:creationId xmlns:a16="http://schemas.microsoft.com/office/drawing/2014/main" id="{FD9238EF-09D0-439B-8E1B-4D234826E578}"/>
               </a:ext>
             </a:extLst>
           </p:cNvPr>
@@ -5892,7 +5658,7 @@
           <p:cNvPr id="15" name="TextBox 14">
             <a:extLst>
               <a:ext uri="{FF2B5EF4-FFF2-40B4-BE49-F238E27FC236}">
-                <a16:creationId xmlns:a16="http://schemas.microsoft.com/office/drawing/2014/main" xmlns="" id="{7EC1C8AA-3746-45AE-8234-A70BD92A109D}"/>
+                <a16:creationId xmlns:a16="http://schemas.microsoft.com/office/drawing/2014/main" id="{7EC1C8AA-3746-45AE-8234-A70BD92A109D}"/>
               </a:ext>
             </a:extLst>
           </p:cNvPr>
@@ -5930,7 +5696,7 @@
           <p:cNvPr id="17" name="TextBox 16">
             <a:extLst>
               <a:ext uri="{FF2B5EF4-FFF2-40B4-BE49-F238E27FC236}">
-                <a16:creationId xmlns:a16="http://schemas.microsoft.com/office/drawing/2014/main" xmlns="" id="{9DB974FD-3E1F-4BA0-9041-6CAE15A4B62C}"/>
+                <a16:creationId xmlns:a16="http://schemas.microsoft.com/office/drawing/2014/main" id="{9DB974FD-3E1F-4BA0-9041-6CAE15A4B62C}"/>
               </a:ext>
             </a:extLst>
           </p:cNvPr>
@@ -5982,13 +5748,6 @@
       </p:transition>
     </mc:Fallback>
   </mc:AlternateContent>
-  <p:timing>
-    <p:tnLst>
-      <p:par>
-        <p:cTn id="1" dur="indefinite" restart="never" nodeType="tmRoot"/>
-      </p:par>
-    </p:tnLst>
-  </p:timing>
 </p:sld>
 </file>
 
@@ -6014,7 +5773,7 @@
           <p:cNvPr id="2" name="Прямоугольник 1">
             <a:extLst>
               <a:ext uri="{FF2B5EF4-FFF2-40B4-BE49-F238E27FC236}">
-                <a16:creationId xmlns:a16="http://schemas.microsoft.com/office/drawing/2014/main" xmlns="" id="{81555B2D-914D-45E3-A7B3-7188563A4C1C}"/>
+                <a16:creationId xmlns:a16="http://schemas.microsoft.com/office/drawing/2014/main" id="{81555B2D-914D-45E3-A7B3-7188563A4C1C}"/>
               </a:ext>
             </a:extLst>
           </p:cNvPr>
@@ -6051,7 +5810,7 @@
           <p:cNvPr id="3" name="TextBox 2">
             <a:extLst>
               <a:ext uri="{FF2B5EF4-FFF2-40B4-BE49-F238E27FC236}">
-                <a16:creationId xmlns:a16="http://schemas.microsoft.com/office/drawing/2014/main" xmlns="" id="{D0E71CC3-70D8-43BC-977C-BB68D18FBA98}"/>
+                <a16:creationId xmlns:a16="http://schemas.microsoft.com/office/drawing/2014/main" id="{D0E71CC3-70D8-43BC-977C-BB68D18FBA98}"/>
               </a:ext>
             </a:extLst>
           </p:cNvPr>
@@ -6084,21 +5843,7 @@
                 <a:latin typeface="Arial" panose="020B0604020202020204" pitchFamily="34" charset="0"/>
                 <a:cs typeface="Arial" panose="020B0604020202020204" pitchFamily="34" charset="0"/>
               </a:rPr>
-              <a:t>Цель проведения учебной практики </a:t>
-            </a:r>
-            <a:r>
-              <a:rPr lang="ru-RU" dirty="0" smtClean="0">
-                <a:latin typeface="Arial" panose="020B0604020202020204" pitchFamily="34" charset="0"/>
-                <a:cs typeface="Arial" panose="020B0604020202020204" pitchFamily="34" charset="0"/>
-              </a:rPr>
-              <a:t>является приобретение </a:t>
-            </a:r>
-            <a:r>
-              <a:rPr lang="ru-RU" dirty="0">
-                <a:latin typeface="Arial" panose="020B0604020202020204" pitchFamily="34" charset="0"/>
-                <a:cs typeface="Arial" panose="020B0604020202020204" pitchFamily="34" charset="0"/>
-              </a:rPr>
-              <a:t>практических навыков работы в области создания, функционирования и использования систем управления базами данных.</a:t>
+              <a:t>Цель проведения учебной практики является приобретение практических навыков работы в области создания, функционирования и использования систем управления базами данных.</a:t>
             </a:r>
           </a:p>
         </p:txBody>
@@ -6108,7 +5853,7 @@
           <p:cNvPr id="4" name="TextBox 3">
             <a:extLst>
               <a:ext uri="{FF2B5EF4-FFF2-40B4-BE49-F238E27FC236}">
-                <a16:creationId xmlns:a16="http://schemas.microsoft.com/office/drawing/2014/main" xmlns="" id="{E28B1E43-A31D-46F6-BBF5-4DD68B526F92}"/>
+                <a16:creationId xmlns:a16="http://schemas.microsoft.com/office/drawing/2014/main" id="{E28B1E43-A31D-46F6-BBF5-4DD68B526F92}"/>
               </a:ext>
             </a:extLst>
           </p:cNvPr>
@@ -6239,13 +5984,6 @@
   <p:transition spd="slow">
     <p:push dir="u"/>
   </p:transition>
-  <p:timing>
-    <p:tnLst>
-      <p:par>
-        <p:cTn id="1" dur="indefinite" restart="never" nodeType="tmRoot"/>
-      </p:par>
-    </p:tnLst>
-  </p:timing>
 </p:sld>
 </file>
 
@@ -6271,7 +6009,7 @@
           <p:cNvPr id="2" name="Прямоугольник 1">
             <a:extLst>
               <a:ext uri="{FF2B5EF4-FFF2-40B4-BE49-F238E27FC236}">
-                <a16:creationId xmlns:a16="http://schemas.microsoft.com/office/drawing/2014/main" xmlns="" id="{81555B2D-914D-45E3-A7B3-7188563A4C1C}"/>
+                <a16:creationId xmlns:a16="http://schemas.microsoft.com/office/drawing/2014/main" id="{81555B2D-914D-45E3-A7B3-7188563A4C1C}"/>
               </a:ext>
             </a:extLst>
           </p:cNvPr>
@@ -6308,7 +6046,7 @@
           <p:cNvPr id="3" name="TextBox 2">
             <a:extLst>
               <a:ext uri="{FF2B5EF4-FFF2-40B4-BE49-F238E27FC236}">
-                <a16:creationId xmlns:a16="http://schemas.microsoft.com/office/drawing/2014/main" xmlns="" id="{D0E71CC3-70D8-43BC-977C-BB68D18FBA98}"/>
+                <a16:creationId xmlns:a16="http://schemas.microsoft.com/office/drawing/2014/main" id="{D0E71CC3-70D8-43BC-977C-BB68D18FBA98}"/>
               </a:ext>
             </a:extLst>
           </p:cNvPr>
@@ -6317,7 +6055,7 @@
         </p:nvSpPr>
         <p:spPr>
           <a:xfrm>
-            <a:off x="1130410" y="4753712"/>
+            <a:off x="1212800" y="4610680"/>
             <a:ext cx="2781300" cy="507831"/>
           </a:xfrm>
           <a:prstGeom prst="rect">
@@ -6344,17 +6082,7 @@
                 <a:latin typeface="Arial" panose="020B0604020202020204" pitchFamily="34" charset="0"/>
                 <a:cs typeface="Arial" panose="020B0604020202020204" pitchFamily="34" charset="0"/>
               </a:rPr>
-              <a:t>Microsoft </a:t>
-            </a:r>
-            <a:r>
-              <a:rPr lang="en-US" b="1" dirty="0" smtClean="0">
-                <a:solidFill>
-                  <a:srgbClr val="000000"/>
-                </a:solidFill>
-                <a:latin typeface="Arial" panose="020B0604020202020204" pitchFamily="34" charset="0"/>
-                <a:cs typeface="Arial" panose="020B0604020202020204" pitchFamily="34" charset="0"/>
-              </a:rPr>
-              <a:t>Visio</a:t>
+              <a:t>Microsoft Visio</a:t>
             </a:r>
             <a:endParaRPr lang="ru-RU" dirty="0">
               <a:solidFill>
@@ -6371,7 +6099,7 @@
           <p:cNvPr id="4" name="TextBox 3">
             <a:extLst>
               <a:ext uri="{FF2B5EF4-FFF2-40B4-BE49-F238E27FC236}">
-                <a16:creationId xmlns:a16="http://schemas.microsoft.com/office/drawing/2014/main" xmlns="" id="{E28B1E43-A31D-46F6-BBF5-4DD68B526F92}"/>
+                <a16:creationId xmlns:a16="http://schemas.microsoft.com/office/drawing/2014/main" id="{E28B1E43-A31D-46F6-BBF5-4DD68B526F92}"/>
               </a:ext>
             </a:extLst>
           </p:cNvPr>
@@ -6464,7 +6192,7 @@
           <p:cNvPr id="5" name="TextBox 4">
             <a:extLst>
               <a:ext uri="{FF2B5EF4-FFF2-40B4-BE49-F238E27FC236}">
-                <a16:creationId xmlns:a16="http://schemas.microsoft.com/office/drawing/2014/main" xmlns="" id="{DB02A083-6DF6-45B9-BD50-40EF778642EE}"/>
+                <a16:creationId xmlns:a16="http://schemas.microsoft.com/office/drawing/2014/main" id="{DB02A083-6DF6-45B9-BD50-40EF778642EE}"/>
               </a:ext>
             </a:extLst>
           </p:cNvPr>
@@ -6473,7 +6201,7 @@
         </p:nvSpPr>
         <p:spPr>
           <a:xfrm>
-            <a:off x="8557221" y="4855228"/>
+            <a:off x="8508234" y="4708267"/>
             <a:ext cx="3464526" cy="507831"/>
           </a:xfrm>
           <a:prstGeom prst="rect">
@@ -6500,17 +6228,7 @@
                 <a:latin typeface="Arial" panose="020B0604020202020204" pitchFamily="34" charset="0"/>
                 <a:cs typeface="Arial" panose="020B0604020202020204" pitchFamily="34" charset="0"/>
               </a:rPr>
-              <a:t>Microsoft </a:t>
-            </a:r>
-            <a:r>
-              <a:rPr lang="en-US" b="1" dirty="0" smtClean="0">
-                <a:solidFill>
-                  <a:srgbClr val="000000"/>
-                </a:solidFill>
-                <a:latin typeface="Arial" panose="020B0604020202020204" pitchFamily="34" charset="0"/>
-                <a:cs typeface="Arial" panose="020B0604020202020204" pitchFamily="34" charset="0"/>
-              </a:rPr>
-              <a:t>Visual Studios</a:t>
+              <a:t>Microsoft Visual Studios</a:t>
             </a:r>
             <a:endParaRPr lang="ru-RU" dirty="0"/>
           </a:p>
@@ -6568,7 +6286,13 @@
       </p:pic>
       <p:pic>
         <p:nvPicPr>
-          <p:cNvPr id="7" name="Picture 4" descr="https://www.olof.ru/upload/iblock/6ad/visio_professional_.png"/>
+          <p:cNvPr id="9" name="Picture 2" descr="Download Microsoft Visio Logo in SVG Vector or PNG File Format - Logo.wine">
+            <a:extLst>
+              <a:ext uri="{FF2B5EF4-FFF2-40B4-BE49-F238E27FC236}">
+                <a16:creationId xmlns:a16="http://schemas.microsoft.com/office/drawing/2014/main" id="{1D6BC3D7-876C-468F-B14D-6B0A170F29D9}"/>
+              </a:ext>
+            </a:extLst>
+          </p:cNvPr>
           <p:cNvPicPr>
             <a:picLocks noChangeAspect="1" noChangeArrowheads="1"/>
           </p:cNvPicPr>
@@ -6589,8 +6313,8 @@
         </p:blipFill>
         <p:spPr bwMode="auto">
           <a:xfrm>
-            <a:off x="1355835" y="2195372"/>
-            <a:ext cx="2330450" cy="2484971"/>
+            <a:off x="109653" y="1830252"/>
+            <a:ext cx="4822813" cy="3215208"/>
           </a:xfrm>
           <a:prstGeom prst="rect">
             <a:avLst/>
@@ -6618,7 +6342,13 @@
       </p:pic>
       <p:pic>
         <p:nvPicPr>
-          <p:cNvPr id="1026" name="Picture 2" descr="\\apetfs\ИСПП-5\Швидко_ИА\3 курс\МДК 01.01\1200px-Visual_Studio_2017_Logo.svg.png"/>
+          <p:cNvPr id="10" name="Picture 4" descr="Microsoft Visual Studio — Википедия">
+            <a:extLst>
+              <a:ext uri="{FF2B5EF4-FFF2-40B4-BE49-F238E27FC236}">
+                <a16:creationId xmlns:a16="http://schemas.microsoft.com/office/drawing/2014/main" id="{B07C53F9-E43E-4226-9E91-C6BC49420702}"/>
+              </a:ext>
+            </a:extLst>
+          </p:cNvPr>
           <p:cNvPicPr>
             <a:picLocks noChangeAspect="1" noChangeArrowheads="1"/>
           </p:cNvPicPr>
@@ -6639,8 +6369,8 @@
         </p:blipFill>
         <p:spPr bwMode="auto">
           <a:xfrm>
-            <a:off x="9116592" y="2264964"/>
-            <a:ext cx="2345785" cy="2345785"/>
+            <a:off x="9198914" y="2355050"/>
+            <a:ext cx="2386700" cy="2386701"/>
           </a:xfrm>
           <a:prstGeom prst="rect">
             <a:avLst/>
@@ -6679,13 +6409,6 @@
   <p:transition spd="slow">
     <p:push dir="u"/>
   </p:transition>
-  <p:timing>
-    <p:tnLst>
-      <p:par>
-        <p:cTn id="1" dur="indefinite" restart="never" nodeType="tmRoot"/>
-      </p:par>
-    </p:tnLst>
-  </p:timing>
 </p:sld>
 </file>
 
@@ -6711,7 +6434,7 @@
           <p:cNvPr id="3" name="Прямоугольник 2">
             <a:extLst>
               <a:ext uri="{FF2B5EF4-FFF2-40B4-BE49-F238E27FC236}">
-                <a16:creationId xmlns:a16="http://schemas.microsoft.com/office/drawing/2014/main" xmlns="" id="{81555B2D-914D-45E3-A7B3-7188563A4C1C}"/>
+                <a16:creationId xmlns:a16="http://schemas.microsoft.com/office/drawing/2014/main" id="{81555B2D-914D-45E3-A7B3-7188563A4C1C}"/>
               </a:ext>
             </a:extLst>
           </p:cNvPr>
@@ -6762,8 +6485,8 @@
         </p:blipFill>
         <p:spPr>
           <a:xfrm>
-            <a:off x="3124200" y="1239202"/>
-            <a:ext cx="6934200" cy="5428298"/>
+            <a:off x="2808514" y="1239202"/>
+            <a:ext cx="7527472" cy="5428298"/>
           </a:xfrm>
           <a:prstGeom prst="rect">
             <a:avLst/>
@@ -6793,13 +6516,6 @@
   <p:transition spd="slow">
     <p:push dir="u"/>
   </p:transition>
-  <p:timing>
-    <p:tnLst>
-      <p:par>
-        <p:cTn id="1" dur="indefinite" restart="never" nodeType="tmRoot"/>
-      </p:par>
-    </p:tnLst>
-  </p:timing>
 </p:sld>
 </file>
 
@@ -6825,7 +6541,7 @@
           <p:cNvPr id="3" name="Прямоугольник 2">
             <a:extLst>
               <a:ext uri="{FF2B5EF4-FFF2-40B4-BE49-F238E27FC236}">
-                <a16:creationId xmlns:a16="http://schemas.microsoft.com/office/drawing/2014/main" xmlns="" id="{81555B2D-914D-45E3-A7B3-7188563A4C1C}"/>
+                <a16:creationId xmlns:a16="http://schemas.microsoft.com/office/drawing/2014/main" id="{81555B2D-914D-45E3-A7B3-7188563A4C1C}"/>
               </a:ext>
             </a:extLst>
           </p:cNvPr>
@@ -6853,16 +6569,12 @@
               </a:lnSpc>
             </a:pPr>
             <a:r>
-              <a:rPr lang="ru-RU" sz="3200" b="1" dirty="0" smtClean="0">
+              <a:rPr lang="ru-RU" sz="3200" b="1" dirty="0">
                 <a:latin typeface="Arial" panose="020B0604020202020204" pitchFamily="34" charset="0"/>
                 <a:cs typeface="Arial" panose="020B0604020202020204" pitchFamily="34" charset="0"/>
               </a:rPr>
               <a:t>Карта переходов</a:t>
             </a:r>
-            <a:endParaRPr lang="ru-RU" sz="3200" b="1" dirty="0">
-              <a:latin typeface="Arial" panose="020B0604020202020204" pitchFamily="34" charset="0"/>
-              <a:cs typeface="Arial" panose="020B0604020202020204" pitchFamily="34" charset="0"/>
-            </a:endParaRPr>
           </a:p>
         </p:txBody>
       </p:sp>
@@ -6871,7 +6583,7 @@
           <p:cNvPr id="2" name="Прямоугольник 1">
             <a:extLst>
               <a:ext uri="{FF2B5EF4-FFF2-40B4-BE49-F238E27FC236}">
-                <a16:creationId xmlns:a16="http://schemas.microsoft.com/office/drawing/2014/main" xmlns="" id="{882B10A3-E81D-43CC-9101-460A18614BDD}"/>
+                <a16:creationId xmlns:a16="http://schemas.microsoft.com/office/drawing/2014/main" id="{882B10A3-E81D-43CC-9101-460A18614BDD}"/>
               </a:ext>
             </a:extLst>
           </p:cNvPr>
@@ -6965,13 +6677,6 @@
   <p:transition spd="slow">
     <p:push dir="u"/>
   </p:transition>
-  <p:timing>
-    <p:tnLst>
-      <p:par>
-        <p:cTn id="1" dur="indefinite" restart="never" nodeType="tmRoot"/>
-      </p:par>
-    </p:tnLst>
-  </p:timing>
 </p:sld>
 </file>
 
@@ -6997,7 +6702,7 @@
           <p:cNvPr id="3" name="Прямоугольник 2">
             <a:extLst>
               <a:ext uri="{FF2B5EF4-FFF2-40B4-BE49-F238E27FC236}">
-                <a16:creationId xmlns:a16="http://schemas.microsoft.com/office/drawing/2014/main" xmlns="" id="{81555B2D-914D-45E3-A7B3-7188563A4C1C}"/>
+                <a16:creationId xmlns:a16="http://schemas.microsoft.com/office/drawing/2014/main" id="{81555B2D-914D-45E3-A7B3-7188563A4C1C}"/>
               </a:ext>
             </a:extLst>
           </p:cNvPr>
@@ -7039,7 +6744,7 @@
           <p:cNvPr id="2" name="Прямоугольник 1">
             <a:extLst>
               <a:ext uri="{FF2B5EF4-FFF2-40B4-BE49-F238E27FC236}">
-                <a16:creationId xmlns:a16="http://schemas.microsoft.com/office/drawing/2014/main" xmlns="" id="{882B10A3-E81D-43CC-9101-460A18614BDD}"/>
+                <a16:creationId xmlns:a16="http://schemas.microsoft.com/office/drawing/2014/main" id="{882B10A3-E81D-43CC-9101-460A18614BDD}"/>
               </a:ext>
             </a:extLst>
           </p:cNvPr>
@@ -7133,13 +6838,6 @@
   <p:transition spd="slow">
     <p:push dir="u"/>
   </p:transition>
-  <p:timing>
-    <p:tnLst>
-      <p:par>
-        <p:cTn id="1" dur="indefinite" restart="never" nodeType="tmRoot"/>
-      </p:par>
-    </p:tnLst>
-  </p:timing>
 </p:sld>
 </file>
 
@@ -7165,7 +6863,7 @@
           <p:cNvPr id="3" name="Прямоугольник 2">
             <a:extLst>
               <a:ext uri="{FF2B5EF4-FFF2-40B4-BE49-F238E27FC236}">
-                <a16:creationId xmlns:a16="http://schemas.microsoft.com/office/drawing/2014/main" xmlns="" id="{81555B2D-914D-45E3-A7B3-7188563A4C1C}"/>
+                <a16:creationId xmlns:a16="http://schemas.microsoft.com/office/drawing/2014/main" id="{81555B2D-914D-45E3-A7B3-7188563A4C1C}"/>
               </a:ext>
             </a:extLst>
           </p:cNvPr>
@@ -7247,13 +6945,6 @@
   <p:transition spd="slow">
     <p:push dir="u"/>
   </p:transition>
-  <p:timing>
-    <p:tnLst>
-      <p:par>
-        <p:cTn id="1" dur="indefinite" restart="never" nodeType="tmRoot"/>
-      </p:par>
-    </p:tnLst>
-  </p:timing>
 </p:sld>
 </file>
 
@@ -7279,7 +6970,7 @@
           <p:cNvPr id="3" name="Прямоугольник 2">
             <a:extLst>
               <a:ext uri="{FF2B5EF4-FFF2-40B4-BE49-F238E27FC236}">
-                <a16:creationId xmlns:a16="http://schemas.microsoft.com/office/drawing/2014/main" xmlns="" id="{81555B2D-914D-45E3-A7B3-7188563A4C1C}"/>
+                <a16:creationId xmlns:a16="http://schemas.microsoft.com/office/drawing/2014/main" id="{81555B2D-914D-45E3-A7B3-7188563A4C1C}"/>
               </a:ext>
             </a:extLst>
           </p:cNvPr>
@@ -7385,19 +7076,8 @@
                 <a:latin typeface="Arial" panose="020B0604020202020204" pitchFamily="34" charset="0"/>
                 <a:cs typeface="Arial" panose="020B0604020202020204" pitchFamily="34" charset="0"/>
               </a:rPr>
-              <a:t>Таблица </a:t>
-            </a:r>
-            <a:r>
-              <a:rPr lang="ru-RU" dirty="0" smtClean="0">
-                <a:latin typeface="Arial" panose="020B0604020202020204" pitchFamily="34" charset="0"/>
-                <a:cs typeface="Arial" panose="020B0604020202020204" pitchFamily="34" charset="0"/>
-              </a:rPr>
-              <a:t>«Покупатели»</a:t>
-            </a:r>
-            <a:endParaRPr lang="ru-RU" dirty="0">
-              <a:latin typeface="Arial" panose="020B0604020202020204" pitchFamily="34" charset="0"/>
-              <a:cs typeface="Arial" panose="020B0604020202020204" pitchFamily="34" charset="0"/>
-            </a:endParaRPr>
+              <a:t>Таблица «Покупатели»</a:t>
+            </a:r>
           </a:p>
         </p:txBody>
       </p:sp>
@@ -7433,19 +7113,8 @@
                 <a:latin typeface="Arial" panose="020B0604020202020204" pitchFamily="34" charset="0"/>
                 <a:cs typeface="Arial" panose="020B0604020202020204" pitchFamily="34" charset="0"/>
               </a:rPr>
-              <a:t>Таблица </a:t>
-            </a:r>
-            <a:r>
-              <a:rPr lang="ru-RU" dirty="0" smtClean="0">
-                <a:latin typeface="Arial" panose="020B0604020202020204" pitchFamily="34" charset="0"/>
-                <a:cs typeface="Arial" panose="020B0604020202020204" pitchFamily="34" charset="0"/>
-              </a:rPr>
-              <a:t>«Оптовые покупатели»</a:t>
-            </a:r>
-            <a:endParaRPr lang="ru-RU" dirty="0">
-              <a:latin typeface="Arial" panose="020B0604020202020204" pitchFamily="34" charset="0"/>
-              <a:cs typeface="Arial" panose="020B0604020202020204" pitchFamily="34" charset="0"/>
-            </a:endParaRPr>
+              <a:t>Таблица «Оптовые покупатели»</a:t>
+            </a:r>
           </a:p>
         </p:txBody>
       </p:sp>
@@ -7481,19 +7150,8 @@
                 <a:latin typeface="Arial" panose="020B0604020202020204" pitchFamily="34" charset="0"/>
                 <a:cs typeface="Arial" panose="020B0604020202020204" pitchFamily="34" charset="0"/>
               </a:rPr>
-              <a:t>Таблица </a:t>
-            </a:r>
-            <a:r>
-              <a:rPr lang="ru-RU" dirty="0" smtClean="0">
-                <a:latin typeface="Arial" panose="020B0604020202020204" pitchFamily="34" charset="0"/>
-                <a:cs typeface="Arial" panose="020B0604020202020204" pitchFamily="34" charset="0"/>
-              </a:rPr>
-              <a:t>«Продавцы»</a:t>
-            </a:r>
-            <a:endParaRPr lang="ru-RU" dirty="0">
-              <a:latin typeface="Arial" panose="020B0604020202020204" pitchFamily="34" charset="0"/>
-              <a:cs typeface="Arial" panose="020B0604020202020204" pitchFamily="34" charset="0"/>
-            </a:endParaRPr>
+              <a:t>Таблица «Продавцы»</a:t>
+            </a:r>
           </a:p>
         </p:txBody>
       </p:sp>
@@ -7690,13 +7348,6 @@
   <p:transition spd="slow">
     <p:push dir="u"/>
   </p:transition>
-  <p:timing>
-    <p:tnLst>
-      <p:par>
-        <p:cTn id="1" dur="indefinite" restart="never" nodeType="tmRoot"/>
-      </p:par>
-    </p:tnLst>
-  </p:timing>
 </p:sld>
 </file>
 
@@ -7749,19 +7400,8 @@
                 <a:latin typeface="Arial" panose="020B0604020202020204" pitchFamily="34" charset="0"/>
                 <a:cs typeface="Arial" panose="020B0604020202020204" pitchFamily="34" charset="0"/>
               </a:rPr>
-              <a:t>Таблица </a:t>
-            </a:r>
-            <a:r>
-              <a:rPr lang="ru-RU" dirty="0" smtClean="0">
-                <a:latin typeface="Arial" panose="020B0604020202020204" pitchFamily="34" charset="0"/>
-                <a:cs typeface="Arial" panose="020B0604020202020204" pitchFamily="34" charset="0"/>
-              </a:rPr>
-              <a:t>«Сорта растений»</a:t>
-            </a:r>
-            <a:endParaRPr lang="ru-RU" dirty="0">
-              <a:latin typeface="Arial" panose="020B0604020202020204" pitchFamily="34" charset="0"/>
-              <a:cs typeface="Arial" panose="020B0604020202020204" pitchFamily="34" charset="0"/>
-            </a:endParaRPr>
+              <a:t>Таблица «Сорта растений»</a:t>
+            </a:r>
           </a:p>
         </p:txBody>
       </p:sp>
@@ -7797,19 +7437,8 @@
                 <a:latin typeface="Arial" panose="020B0604020202020204" pitchFamily="34" charset="0"/>
                 <a:cs typeface="Arial" panose="020B0604020202020204" pitchFamily="34" charset="0"/>
               </a:rPr>
-              <a:t>Таблица «</a:t>
-            </a:r>
-            <a:r>
-              <a:rPr lang="ru-RU" dirty="0" smtClean="0">
-                <a:latin typeface="Arial" panose="020B0604020202020204" pitchFamily="34" charset="0"/>
-                <a:cs typeface="Arial" panose="020B0604020202020204" pitchFamily="34" charset="0"/>
-              </a:rPr>
-              <a:t>Новые сорта растений»</a:t>
-            </a:r>
-            <a:endParaRPr lang="ru-RU" dirty="0">
-              <a:latin typeface="Arial" panose="020B0604020202020204" pitchFamily="34" charset="0"/>
-              <a:cs typeface="Arial" panose="020B0604020202020204" pitchFamily="34" charset="0"/>
-            </a:endParaRPr>
+              <a:t>Таблица «Новые сорта растений»</a:t>
+            </a:r>
           </a:p>
         </p:txBody>
       </p:sp>
@@ -8025,19 +7654,8 @@
                 <a:latin typeface="Arial" panose="020B0604020202020204" pitchFamily="34" charset="0"/>
                 <a:cs typeface="Arial" panose="020B0604020202020204" pitchFamily="34" charset="0"/>
               </a:rPr>
-              <a:t>Таблица </a:t>
-            </a:r>
-            <a:r>
-              <a:rPr lang="ru-RU" dirty="0" smtClean="0">
-                <a:latin typeface="Arial" panose="020B0604020202020204" pitchFamily="34" charset="0"/>
-                <a:cs typeface="Arial" panose="020B0604020202020204" pitchFamily="34" charset="0"/>
-              </a:rPr>
-              <a:t>«Упаковки семян»</a:t>
-            </a:r>
-            <a:endParaRPr lang="ru-RU" dirty="0">
-              <a:latin typeface="Arial" panose="020B0604020202020204" pitchFamily="34" charset="0"/>
-              <a:cs typeface="Arial" panose="020B0604020202020204" pitchFamily="34" charset="0"/>
-            </a:endParaRPr>
+              <a:t>Таблица «Упаковки семян»</a:t>
+            </a:r>
           </a:p>
         </p:txBody>
       </p:sp>
@@ -8054,13 +7672,6 @@
   <p:transition spd="slow">
     <p:push dir="u"/>
   </p:transition>
-  <p:timing>
-    <p:tnLst>
-      <p:par>
-        <p:cTn id="1" dur="indefinite" restart="never" nodeType="tmRoot"/>
-      </p:par>
-    </p:tnLst>
-  </p:timing>
 </p:sld>
 </file>
 
@@ -8316,7 +7927,7 @@
   <a:extraClrSchemeLst/>
   <a:extLst>
     <a:ext uri="{05A4C25C-085E-4340-85A3-A5531E510DB2}">
-      <thm15:themeFamily xmlns:thm15="http://schemas.microsoft.com/office/thememl/2012/main" xmlns="" name="Crop" id="{EC9488ED-E761-4D60-9AC4-764D1FE2C171}" vid="{CE19780C-D67D-4C13-9DE9-A52BC3BA51B4}"/>
+      <thm15:themeFamily xmlns:thm15="http://schemas.microsoft.com/office/thememl/2012/main" name="Crop" id="{EC9488ED-E761-4D60-9AC4-764D1FE2C171}" vid="{CE19780C-D67D-4C13-9DE9-A52BC3BA51B4}"/>
     </a:ext>
   </a:extLst>
 </a:theme>
